--- a/GDD 1101-001 The Basics Demo 2 .pptx
+++ b/GDD 1101-001 The Basics Demo 2 .pptx
@@ -68,7 +68,7 @@
         <p:txBody>
           <a:bodyPr/>
           <a:p>
-            <a:fld id="{0D9157FC-1835-44CF-989B-CB96437F5F60}" type="slidenum">
+            <a:fld id="{2D8A5BA4-5D6C-46B4-8073-581512355679}" type="slidenum">
               <a:t>&lt;#&gt;</a:t>
             </a:fld>
           </a:p>
@@ -268,7 +268,7 @@
         <p:txBody>
           <a:bodyPr/>
           <a:p>
-            <a:fld id="{A1E40EA6-CFAC-48E6-8ECC-0756DBC978A3}" type="slidenum">
+            <a:fld id="{8DE58BFE-69BF-424B-9F86-A9C57D354B17}" type="slidenum">
               <a:t>&lt;#&gt;</a:t>
             </a:fld>
           </a:p>
@@ -548,7 +548,7 @@
         <p:txBody>
           <a:bodyPr/>
           <a:p>
-            <a:fld id="{954ECA75-A36D-4F96-AF92-BDBA3D33B700}" type="slidenum">
+            <a:fld id="{DBBA0E9E-B4B4-4929-9150-4973C347F18F}" type="slidenum">
               <a:t>&lt;#&gt;</a:t>
             </a:fld>
           </a:p>
@@ -908,7 +908,7 @@
         <p:txBody>
           <a:bodyPr/>
           <a:p>
-            <a:fld id="{B37B3E81-AC04-41F9-9C7D-D5B1C8487C64}" type="slidenum">
+            <a:fld id="{10AEC61C-F8CE-42FF-8ED3-9CCEF201E7DE}" type="slidenum">
               <a:t>&lt;#&gt;</a:t>
             </a:fld>
           </a:p>
@@ -991,7 +991,7 @@
         <p:txBody>
           <a:bodyPr/>
           <a:p>
-            <a:fld id="{D01E102A-0C8E-466E-8D41-A3AD6900D2CD}" type="slidenum">
+            <a:fld id="{D1689437-AA95-4741-815C-CEA82D79A457}" type="slidenum">
               <a:t>&lt;#&gt;</a:t>
             </a:fld>
           </a:p>
@@ -1148,7 +1148,7 @@
         <p:txBody>
           <a:bodyPr/>
           <a:p>
-            <a:fld id="{ABE57673-C25C-4910-8990-BE1D62C5E5B2}" type="slidenum">
+            <a:fld id="{7CE020AB-6E6A-4969-A0AB-C62EA989EF59}" type="slidenum">
               <a:t>&lt;#&gt;</a:t>
             </a:fld>
           </a:p>
@@ -1308,7 +1308,7 @@
         <p:txBody>
           <a:bodyPr/>
           <a:p>
-            <a:fld id="{42407CE0-8101-4447-8230-3E6D461D9C1F}" type="slidenum">
+            <a:fld id="{EEC2576B-03E2-4F42-832A-720C3B63BA82}" type="slidenum">
               <a:t>&lt;#&gt;</a:t>
             </a:fld>
           </a:p>
@@ -1508,7 +1508,7 @@
         <p:txBody>
           <a:bodyPr/>
           <a:p>
-            <a:fld id="{9B07C8B4-7B55-48E7-9BA5-16E26076E80A}" type="slidenum">
+            <a:fld id="{68B22A64-483A-4D9C-B64F-EA0F4BAE2C9E}" type="slidenum">
               <a:t>&lt;#&gt;</a:t>
             </a:fld>
           </a:p>
@@ -1628,7 +1628,7 @@
         <p:txBody>
           <a:bodyPr/>
           <a:p>
-            <a:fld id="{85996193-3802-4034-82EB-52DBFCF6A381}" type="slidenum">
+            <a:fld id="{96782769-F5C7-4EA3-AF4A-C271F3453A24}" type="slidenum">
               <a:t>&lt;#&gt;</a:t>
             </a:fld>
           </a:p>
@@ -1746,7 +1746,7 @@
         <p:txBody>
           <a:bodyPr/>
           <a:p>
-            <a:fld id="{4548B77E-4B21-476B-8875-38E74D43AD9D}" type="slidenum">
+            <a:fld id="{C621E001-BABE-4379-B7B5-CD227705036F}" type="slidenum">
               <a:t>&lt;#&gt;</a:t>
             </a:fld>
           </a:p>
@@ -1986,7 +1986,7 @@
         <p:txBody>
           <a:bodyPr/>
           <a:p>
-            <a:fld id="{CE21BF8E-7866-4D9B-B116-4AEE80E0C26A}" type="slidenum">
+            <a:fld id="{3BD79D7D-465F-4704-BA9F-E37362FD0010}" type="slidenum">
               <a:t>&lt;#&gt;</a:t>
             </a:fld>
           </a:p>
@@ -2143,7 +2143,7 @@
         <p:txBody>
           <a:bodyPr/>
           <a:p>
-            <a:fld id="{AB675B0E-7FC4-42A7-99DB-F46EC0B59C86}" type="slidenum">
+            <a:fld id="{B63881C3-4698-4840-9CE3-FE2A8B6A8115}" type="slidenum">
               <a:t>&lt;#&gt;</a:t>
             </a:fld>
           </a:p>
@@ -2383,7 +2383,7 @@
         <p:txBody>
           <a:bodyPr/>
           <a:p>
-            <a:fld id="{E7A7CAF0-804B-44F0-82E1-AF004819B006}" type="slidenum">
+            <a:fld id="{751F4E43-45BC-477B-8050-048029FBC3FA}" type="slidenum">
               <a:t>&lt;#&gt;</a:t>
             </a:fld>
           </a:p>
@@ -2623,7 +2623,7 @@
         <p:txBody>
           <a:bodyPr/>
           <a:p>
-            <a:fld id="{C21E450E-10CD-428B-AFE3-4C44AFAEA126}" type="slidenum">
+            <a:fld id="{6526300A-0FF2-45B8-B287-91506E38696E}" type="slidenum">
               <a:t>&lt;#&gt;</a:t>
             </a:fld>
           </a:p>
@@ -2823,7 +2823,7 @@
         <p:txBody>
           <a:bodyPr/>
           <a:p>
-            <a:fld id="{404BFCFF-8983-4F0D-B46B-F6090354A15B}" type="slidenum">
+            <a:fld id="{8BDE6B8B-A16C-4604-9431-A7ED850B0D8E}" type="slidenum">
               <a:t>&lt;#&gt;</a:t>
             </a:fld>
           </a:p>
@@ -3103,7 +3103,7 @@
         <p:txBody>
           <a:bodyPr/>
           <a:p>
-            <a:fld id="{0DA4940A-6781-4F30-97D3-E0FE267CC40E}" type="slidenum">
+            <a:fld id="{AC0F37F7-BF47-4A6C-8685-4A90B4EB3712}" type="slidenum">
               <a:t>&lt;#&gt;</a:t>
             </a:fld>
           </a:p>
@@ -3463,7 +3463,7 @@
         <p:txBody>
           <a:bodyPr/>
           <a:p>
-            <a:fld id="{B0040E2E-F287-46A8-8AA0-9CBA17111BD5}" type="slidenum">
+            <a:fld id="{CC18B827-56FB-4628-AD9F-E743920B827B}" type="slidenum">
               <a:t>&lt;#&gt;</a:t>
             </a:fld>
           </a:p>
@@ -3623,7 +3623,7 @@
         <p:txBody>
           <a:bodyPr/>
           <a:p>
-            <a:fld id="{09B68013-2E4C-4819-B1D1-E80DD4521023}" type="slidenum">
+            <a:fld id="{6C2D1515-FB31-4C66-8BBE-643D01D9DD38}" type="slidenum">
               <a:t>&lt;#&gt;</a:t>
             </a:fld>
           </a:p>
@@ -3823,7 +3823,7 @@
         <p:txBody>
           <a:bodyPr/>
           <a:p>
-            <a:fld id="{168067D2-FDC7-4ADA-BC71-71BA6BAC956D}" type="slidenum">
+            <a:fld id="{F4D44267-BAAA-4400-AF75-70BCB343941A}" type="slidenum">
               <a:t>&lt;#&gt;</a:t>
             </a:fld>
           </a:p>
@@ -3943,7 +3943,7 @@
         <p:txBody>
           <a:bodyPr/>
           <a:p>
-            <a:fld id="{4D8DCD8E-15E3-4CBD-9D03-34821183ABAE}" type="slidenum">
+            <a:fld id="{F365FDFD-7A94-48E2-A33B-798870D6E6F0}" type="slidenum">
               <a:t>&lt;#&gt;</a:t>
             </a:fld>
           </a:p>
@@ -4061,7 +4061,7 @@
         <p:txBody>
           <a:bodyPr/>
           <a:p>
-            <a:fld id="{BC0A7B81-64F1-4AB3-B396-EF4194350BC7}" type="slidenum">
+            <a:fld id="{4D280414-0265-4D5D-88A0-3FA28AB44A12}" type="slidenum">
               <a:t>&lt;#&gt;</a:t>
             </a:fld>
           </a:p>
@@ -4301,7 +4301,7 @@
         <p:txBody>
           <a:bodyPr/>
           <a:p>
-            <a:fld id="{00D35243-427E-43CF-BF28-472889767065}" type="slidenum">
+            <a:fld id="{B36B8B49-75FD-4156-BBBF-B7F349CBFEDB}" type="slidenum">
               <a:t>&lt;#&gt;</a:t>
             </a:fld>
           </a:p>
@@ -4541,7 +4541,7 @@
         <p:txBody>
           <a:bodyPr/>
           <a:p>
-            <a:fld id="{C31B2EB2-123A-4AEC-8014-217067DC2F75}" type="slidenum">
+            <a:fld id="{7930FF79-C2C7-427F-882E-291DC32F2420}" type="slidenum">
               <a:t>&lt;#&gt;</a:t>
             </a:fld>
           </a:p>
@@ -4781,7 +4781,7 @@
         <p:txBody>
           <a:bodyPr/>
           <a:p>
-            <a:fld id="{4D489397-6C22-48E6-93C2-C2D823C63472}" type="slidenum">
+            <a:fld id="{CC05448E-7C6D-4706-BA75-3B841C36E671}" type="slidenum">
               <a:t>&lt;#&gt;</a:t>
             </a:fld>
           </a:p>
@@ -4846,7 +4846,7 @@
         <p:spPr>
           <a:xfrm>
             <a:off x="0" y="6400800"/>
-            <a:ext cx="12191040" cy="456120"/>
+            <a:ext cx="12190680" cy="455760"/>
           </a:xfrm>
           <a:prstGeom prst="rect">
             <a:avLst/>
@@ -4884,7 +4884,7 @@
         <p:spPr>
           <a:xfrm>
             <a:off x="0" y="6334200"/>
-            <a:ext cx="12191040" cy="65520"/>
+            <a:ext cx="12190680" cy="65160"/>
           </a:xfrm>
           <a:prstGeom prst="rect">
             <a:avLst/>
@@ -4920,7 +4920,7 @@
         <p:spPr>
           <a:xfrm>
             <a:off x="1193400" y="1737720"/>
-            <a:ext cx="9968040" cy="1080"/>
+            <a:ext cx="9968400" cy="1440"/>
           </a:xfrm>
           <a:prstGeom prst="straightConnector1">
             <a:avLst/>
@@ -4942,7 +4942,7 @@
         <p:spPr>
           <a:xfrm>
             <a:off x="3240" y="6400800"/>
-            <a:ext cx="12187800" cy="456120"/>
+            <a:ext cx="12187440" cy="455760"/>
           </a:xfrm>
           <a:prstGeom prst="rect">
             <a:avLst/>
@@ -4980,7 +4980,7 @@
         <p:spPr>
           <a:xfrm>
             <a:off x="0" y="6334200"/>
-            <a:ext cx="12187800" cy="63000"/>
+            <a:ext cx="12187440" cy="62640"/>
           </a:xfrm>
           <a:prstGeom prst="rect">
             <a:avLst/>
@@ -5016,7 +5016,7 @@
         <p:spPr>
           <a:xfrm>
             <a:off x="1207440" y="4343400"/>
-            <a:ext cx="9876600" cy="1080"/>
+            <a:ext cx="9876960" cy="1440"/>
           </a:xfrm>
           <a:prstGeom prst="straightConnector1">
             <a:avLst/>
@@ -5036,239 +5036,13 @@
             <a:spLocks noGrp="1"/>
           </p:cNvSpPr>
           <p:nvPr>
-            <p:ph type="title"/>
-          </p:nvPr>
-        </p:nvSpPr>
-        <p:spPr>
-          <a:xfrm>
-            <a:off x="609480" y="273600"/>
-            <a:ext cx="10972080" cy="1144440"/>
-          </a:xfrm>
-          <a:prstGeom prst="rect">
-            <a:avLst/>
-          </a:prstGeom>
-          <a:noFill/>
-          <a:ln w="0">
-            <a:noFill/>
-          </a:ln>
-        </p:spPr>
-        <p:txBody>
-          <a:bodyPr lIns="0" rIns="0" tIns="0" bIns="0" anchor="ctr">
-            <a:noAutofit/>
-          </a:bodyPr>
-          <a:p>
-            <a:pPr indent="0">
-              <a:buNone/>
-            </a:pPr>
-            <a:r>
-              <a:rPr b="0" lang="en-US" sz="1800" spc="-1" strike="noStrike">
-                <a:latin typeface="Arial"/>
-              </a:rPr>
-              <a:t>Click to edit the title text format</a:t>
-            </a:r>
-            <a:endParaRPr b="0" lang="en-US" sz="1800" spc="-1" strike="noStrike">
-              <a:latin typeface="Arial"/>
-            </a:endParaRPr>
-          </a:p>
-        </p:txBody>
-      </p:sp>
-      <p:sp>
-        <p:nvSpPr>
-          <p:cNvPr id="7" name="PlaceHolder 2"/>
-          <p:cNvSpPr>
-            <a:spLocks noGrp="1"/>
-          </p:cNvSpPr>
-          <p:nvPr>
-            <p:ph type="body"/>
-          </p:nvPr>
-        </p:nvSpPr>
-        <p:spPr>
-          <a:xfrm>
-            <a:off x="609480" y="1604520"/>
-            <a:ext cx="10972080" cy="3976920"/>
-          </a:xfrm>
-          <a:prstGeom prst="rect">
-            <a:avLst/>
-          </a:prstGeom>
-          <a:noFill/>
-          <a:ln w="0">
-            <a:noFill/>
-          </a:ln>
-        </p:spPr>
-        <p:txBody>
-          <a:bodyPr lIns="0" rIns="0" tIns="0" bIns="0" anchor="t">
-            <a:normAutofit/>
-          </a:bodyPr>
-          <a:p>
-            <a:pPr marL="432000" indent="-324000">
-              <a:spcBef>
-                <a:spcPts val="1417"/>
-              </a:spcBef>
-              <a:buClr>
-                <a:srgbClr val="000000"/>
-              </a:buClr>
-              <a:buSzPct val="45000"/>
-              <a:buFont typeface="Wingdings" charset="2"/>
-              <a:buChar char=""/>
-            </a:pPr>
-            <a:r>
-              <a:rPr b="0" lang="en-US" sz="1800" spc="-1" strike="noStrike">
-                <a:latin typeface="Arial"/>
-              </a:rPr>
-              <a:t>Click to edit the outline text format</a:t>
-            </a:r>
-            <a:endParaRPr b="0" lang="en-US" sz="1800" spc="-1" strike="noStrike">
-              <a:latin typeface="Arial"/>
-            </a:endParaRPr>
-          </a:p>
-          <a:p>
-            <a:pPr lvl="1" marL="864000" indent="-324000">
-              <a:spcBef>
-                <a:spcPts val="1134"/>
-              </a:spcBef>
-              <a:buClr>
-                <a:srgbClr val="000000"/>
-              </a:buClr>
-              <a:buSzPct val="75000"/>
-              <a:buFont typeface="Symbol" charset="2"/>
-              <a:buChar char=""/>
-            </a:pPr>
-            <a:r>
-              <a:rPr b="0" lang="en-US" sz="1800" spc="-1" strike="noStrike">
-                <a:latin typeface="Arial"/>
-              </a:rPr>
-              <a:t>Second Outline Level</a:t>
-            </a:r>
-            <a:endParaRPr b="0" lang="en-US" sz="1800" spc="-1" strike="noStrike">
-              <a:latin typeface="Arial"/>
-            </a:endParaRPr>
-          </a:p>
-          <a:p>
-            <a:pPr lvl="2" marL="1296000" indent="-288000">
-              <a:spcBef>
-                <a:spcPts val="850"/>
-              </a:spcBef>
-              <a:buClr>
-                <a:srgbClr val="000000"/>
-              </a:buClr>
-              <a:buSzPct val="45000"/>
-              <a:buFont typeface="Wingdings" charset="2"/>
-              <a:buChar char=""/>
-            </a:pPr>
-            <a:r>
-              <a:rPr b="0" lang="en-US" sz="1800" spc="-1" strike="noStrike">
-                <a:latin typeface="Arial"/>
-              </a:rPr>
-              <a:t>Third Outline Level</a:t>
-            </a:r>
-            <a:endParaRPr b="0" lang="en-US" sz="1800" spc="-1" strike="noStrike">
-              <a:latin typeface="Arial"/>
-            </a:endParaRPr>
-          </a:p>
-          <a:p>
-            <a:pPr lvl="3" marL="1728000" indent="-216000">
-              <a:spcBef>
-                <a:spcPts val="567"/>
-              </a:spcBef>
-              <a:buClr>
-                <a:srgbClr val="000000"/>
-              </a:buClr>
-              <a:buSzPct val="75000"/>
-              <a:buFont typeface="Symbol" charset="2"/>
-              <a:buChar char=""/>
-            </a:pPr>
-            <a:r>
-              <a:rPr b="0" lang="en-US" sz="1800" spc="-1" strike="noStrike">
-                <a:latin typeface="Arial"/>
-              </a:rPr>
-              <a:t>Fourth Outline Level</a:t>
-            </a:r>
-            <a:endParaRPr b="0" lang="en-US" sz="1800" spc="-1" strike="noStrike">
-              <a:latin typeface="Arial"/>
-            </a:endParaRPr>
-          </a:p>
-          <a:p>
-            <a:pPr lvl="4" marL="2160000" indent="-216000">
-              <a:spcBef>
-                <a:spcPts val="283"/>
-              </a:spcBef>
-              <a:buClr>
-                <a:srgbClr val="000000"/>
-              </a:buClr>
-              <a:buSzPct val="45000"/>
-              <a:buFont typeface="Wingdings" charset="2"/>
-              <a:buChar char=""/>
-            </a:pPr>
-            <a:r>
-              <a:rPr b="0" lang="en-US" sz="1800" spc="-1" strike="noStrike">
-                <a:latin typeface="Arial"/>
-              </a:rPr>
-              <a:t>Fifth Outline Level</a:t>
-            </a:r>
-            <a:endParaRPr b="0" lang="en-US" sz="1800" spc="-1" strike="noStrike">
-              <a:latin typeface="Arial"/>
-            </a:endParaRPr>
-          </a:p>
-          <a:p>
-            <a:pPr lvl="5" marL="2592000" indent="-216000">
-              <a:spcBef>
-                <a:spcPts val="283"/>
-              </a:spcBef>
-              <a:buClr>
-                <a:srgbClr val="000000"/>
-              </a:buClr>
-              <a:buSzPct val="45000"/>
-              <a:buFont typeface="Wingdings" charset="2"/>
-              <a:buChar char=""/>
-            </a:pPr>
-            <a:r>
-              <a:rPr b="0" lang="en-US" sz="1800" spc="-1" strike="noStrike">
-                <a:latin typeface="Arial"/>
-              </a:rPr>
-              <a:t>Sixth Outline Level</a:t>
-            </a:r>
-            <a:endParaRPr b="0" lang="en-US" sz="1800" spc="-1" strike="noStrike">
-              <a:latin typeface="Arial"/>
-            </a:endParaRPr>
-          </a:p>
-          <a:p>
-            <a:pPr lvl="6" marL="3024000" indent="-216000">
-              <a:spcBef>
-                <a:spcPts val="283"/>
-              </a:spcBef>
-              <a:buClr>
-                <a:srgbClr val="000000"/>
-              </a:buClr>
-              <a:buSzPct val="45000"/>
-              <a:buFont typeface="Wingdings" charset="2"/>
-              <a:buChar char=""/>
-            </a:pPr>
-            <a:r>
-              <a:rPr b="0" lang="en-US" sz="1800" spc="-1" strike="noStrike">
-                <a:latin typeface="Arial"/>
-              </a:rPr>
-              <a:t>Seventh Outline Level</a:t>
-            </a:r>
-            <a:endParaRPr b="0" lang="en-US" sz="1800" spc="-1" strike="noStrike">
-              <a:latin typeface="Arial"/>
-            </a:endParaRPr>
-          </a:p>
-        </p:txBody>
-      </p:sp>
-      <p:sp>
-        <p:nvSpPr>
-          <p:cNvPr id="8" name="PlaceHolder 3"/>
-          <p:cNvSpPr>
-            <a:spLocks noGrp="1"/>
-          </p:cNvSpPr>
-          <p:nvPr>
             <p:ph type="ftr" idx="1"/>
           </p:nvPr>
         </p:nvSpPr>
         <p:spPr>
           <a:xfrm>
             <a:off x="3686040" y="6459840"/>
-            <a:ext cx="4821840" cy="363960"/>
+            <a:ext cx="4821480" cy="363600"/>
           </a:xfrm>
           <a:prstGeom prst="rect">
             <a:avLst/>
@@ -5320,7 +5094,7 @@
       </p:sp>
       <p:sp>
         <p:nvSpPr>
-          <p:cNvPr id="9" name="PlaceHolder 4"/>
+          <p:cNvPr id="7" name="PlaceHolder 2"/>
           <p:cNvSpPr>
             <a:spLocks noGrp="1"/>
           </p:cNvSpPr>
@@ -5331,7 +5105,7 @@
         <p:spPr>
           <a:xfrm>
             <a:off x="9900360" y="6459840"/>
-            <a:ext cx="1311120" cy="363960"/>
+            <a:ext cx="1310760" cy="363600"/>
           </a:xfrm>
           <a:prstGeom prst="rect">
             <a:avLst/>
@@ -5372,7 +5146,7 @@
                 <a:tab algn="l" pos="0"/>
               </a:tabLst>
             </a:pPr>
-            <a:fld id="{5EAA9472-8666-4D4E-9C06-E40B09876DC6}" type="slidenum">
+            <a:fld id="{41229065-E2EC-4B39-B681-6906125B7F80}" type="slidenum">
               <a:rPr b="0" lang="en-US" sz="1050" spc="-1" strike="noStrike">
                 <a:solidFill>
                   <a:srgbClr val="ffffff"/>
@@ -5389,7 +5163,7 @@
       </p:sp>
       <p:sp>
         <p:nvSpPr>
-          <p:cNvPr id="10" name="PlaceHolder 5"/>
+          <p:cNvPr id="8" name="PlaceHolder 3"/>
           <p:cNvSpPr>
             <a:spLocks noGrp="1"/>
           </p:cNvSpPr>
@@ -5400,7 +5174,7 @@
         <p:spPr>
           <a:xfrm>
             <a:off x="1097280" y="6459840"/>
-            <a:ext cx="2471040" cy="363960"/>
+            <a:ext cx="2470680" cy="363600"/>
           </a:xfrm>
           <a:prstGeom prst="rect">
             <a:avLst/>
@@ -5434,6 +5208,232 @@
             </a:r>
             <a:endParaRPr b="0" lang="en-US" sz="1400" spc="-1" strike="noStrike">
               <a:latin typeface="Times New Roman"/>
+            </a:endParaRPr>
+          </a:p>
+        </p:txBody>
+      </p:sp>
+      <p:sp>
+        <p:nvSpPr>
+          <p:cNvPr id="9" name="PlaceHolder 4"/>
+          <p:cNvSpPr>
+            <a:spLocks noGrp="1"/>
+          </p:cNvSpPr>
+          <p:nvPr>
+            <p:ph type="title"/>
+          </p:nvPr>
+        </p:nvSpPr>
+        <p:spPr>
+          <a:xfrm>
+            <a:off x="609480" y="273600"/>
+            <a:ext cx="10972440" cy="1144800"/>
+          </a:xfrm>
+          <a:prstGeom prst="rect">
+            <a:avLst/>
+          </a:prstGeom>
+          <a:noFill/>
+          <a:ln w="0">
+            <a:noFill/>
+          </a:ln>
+        </p:spPr>
+        <p:txBody>
+          <a:bodyPr lIns="0" rIns="0" tIns="0" bIns="0" anchor="ctr">
+            <a:noAutofit/>
+          </a:bodyPr>
+          <a:p>
+            <a:pPr indent="0" algn="ctr">
+              <a:buNone/>
+            </a:pPr>
+            <a:r>
+              <a:rPr b="0" lang="en-US" sz="4400" spc="-1" strike="noStrike">
+                <a:latin typeface="Arial"/>
+              </a:rPr>
+              <a:t>Click to edit the title text format</a:t>
+            </a:r>
+            <a:endParaRPr b="0" lang="en-US" sz="4400" spc="-1" strike="noStrike">
+              <a:latin typeface="Arial"/>
+            </a:endParaRPr>
+          </a:p>
+        </p:txBody>
+      </p:sp>
+      <p:sp>
+        <p:nvSpPr>
+          <p:cNvPr id="10" name="PlaceHolder 5"/>
+          <p:cNvSpPr>
+            <a:spLocks noGrp="1"/>
+          </p:cNvSpPr>
+          <p:nvPr>
+            <p:ph type="body"/>
+          </p:nvPr>
+        </p:nvSpPr>
+        <p:spPr>
+          <a:xfrm>
+            <a:off x="609480" y="1604520"/>
+            <a:ext cx="10972440" cy="3977280"/>
+          </a:xfrm>
+          <a:prstGeom prst="rect">
+            <a:avLst/>
+          </a:prstGeom>
+          <a:noFill/>
+          <a:ln w="0">
+            <a:noFill/>
+          </a:ln>
+        </p:spPr>
+        <p:txBody>
+          <a:bodyPr lIns="0" rIns="0" tIns="0" bIns="0" anchor="t">
+            <a:normAutofit/>
+          </a:bodyPr>
+          <a:p>
+            <a:pPr marL="432000" indent="-324000">
+              <a:spcBef>
+                <a:spcPts val="1417"/>
+              </a:spcBef>
+              <a:buClr>
+                <a:srgbClr val="000000"/>
+              </a:buClr>
+              <a:buSzPct val="45000"/>
+              <a:buFont typeface="Wingdings" charset="2"/>
+              <a:buChar char=""/>
+            </a:pPr>
+            <a:r>
+              <a:rPr b="0" lang="en-US" sz="3200" spc="-1" strike="noStrike">
+                <a:latin typeface="Arial"/>
+              </a:rPr>
+              <a:t>Click to edit the outline text format</a:t>
+            </a:r>
+            <a:endParaRPr b="0" lang="en-US" sz="3200" spc="-1" strike="noStrike">
+              <a:latin typeface="Arial"/>
+            </a:endParaRPr>
+          </a:p>
+          <a:p>
+            <a:pPr lvl="1" marL="864000" indent="-324000">
+              <a:spcBef>
+                <a:spcPts val="1134"/>
+              </a:spcBef>
+              <a:buClr>
+                <a:srgbClr val="000000"/>
+              </a:buClr>
+              <a:buSzPct val="75000"/>
+              <a:buFont typeface="Symbol" charset="2"/>
+              <a:buChar char=""/>
+            </a:pPr>
+            <a:r>
+              <a:rPr b="0" lang="en-US" sz="2800" spc="-1" strike="noStrike">
+                <a:latin typeface="Arial"/>
+              </a:rPr>
+              <a:t>Second Outline Level</a:t>
+            </a:r>
+            <a:endParaRPr b="0" lang="en-US" sz="2800" spc="-1" strike="noStrike">
+              <a:latin typeface="Arial"/>
+            </a:endParaRPr>
+          </a:p>
+          <a:p>
+            <a:pPr lvl="2" marL="1296000" indent="-288000">
+              <a:spcBef>
+                <a:spcPts val="850"/>
+              </a:spcBef>
+              <a:buClr>
+                <a:srgbClr val="000000"/>
+              </a:buClr>
+              <a:buSzPct val="45000"/>
+              <a:buFont typeface="Wingdings" charset="2"/>
+              <a:buChar char=""/>
+            </a:pPr>
+            <a:r>
+              <a:rPr b="0" lang="en-US" sz="2400" spc="-1" strike="noStrike">
+                <a:latin typeface="Arial"/>
+              </a:rPr>
+              <a:t>Third Outline Level</a:t>
+            </a:r>
+            <a:endParaRPr b="0" lang="en-US" sz="2400" spc="-1" strike="noStrike">
+              <a:latin typeface="Arial"/>
+            </a:endParaRPr>
+          </a:p>
+          <a:p>
+            <a:pPr lvl="3" marL="1728000" indent="-216000">
+              <a:spcBef>
+                <a:spcPts val="567"/>
+              </a:spcBef>
+              <a:buClr>
+                <a:srgbClr val="000000"/>
+              </a:buClr>
+              <a:buSzPct val="75000"/>
+              <a:buFont typeface="Symbol" charset="2"/>
+              <a:buChar char=""/>
+            </a:pPr>
+            <a:r>
+              <a:rPr b="0" lang="en-US" sz="2000" spc="-1" strike="noStrike">
+                <a:latin typeface="Arial"/>
+              </a:rPr>
+              <a:t>Fourth Outline Level</a:t>
+            </a:r>
+            <a:endParaRPr b="0" lang="en-US" sz="2000" spc="-1" strike="noStrike">
+              <a:latin typeface="Arial"/>
+            </a:endParaRPr>
+          </a:p>
+          <a:p>
+            <a:pPr lvl="4" marL="2160000" indent="-216000">
+              <a:spcBef>
+                <a:spcPts val="283"/>
+              </a:spcBef>
+              <a:buClr>
+                <a:srgbClr val="000000"/>
+              </a:buClr>
+              <a:buSzPct val="45000"/>
+              <a:buFont typeface="Wingdings" charset="2"/>
+              <a:buChar char=""/>
+            </a:pPr>
+            <a:r>
+              <a:rPr b="0" lang="en-US" sz="2000" spc="-1" strike="noStrike">
+                <a:latin typeface="Arial"/>
+              </a:rPr>
+              <a:t>Fifth Outline Level</a:t>
+            </a:r>
+            <a:endParaRPr b="0" lang="en-US" sz="2000" spc="-1" strike="noStrike">
+              <a:latin typeface="Arial"/>
+            </a:endParaRPr>
+          </a:p>
+          <a:p>
+            <a:pPr lvl="5" marL="2592000" indent="-216000">
+              <a:spcBef>
+                <a:spcPts val="283"/>
+              </a:spcBef>
+              <a:buClr>
+                <a:srgbClr val="000000"/>
+              </a:buClr>
+              <a:buSzPct val="45000"/>
+              <a:buFont typeface="Wingdings" charset="2"/>
+              <a:buChar char=""/>
+            </a:pPr>
+            <a:r>
+              <a:rPr b="0" lang="en-US" sz="2000" spc="-1" strike="noStrike">
+                <a:latin typeface="Arial"/>
+              </a:rPr>
+              <a:t>Sixth Outline Level</a:t>
+            </a:r>
+            <a:endParaRPr b="0" lang="en-US" sz="2000" spc="-1" strike="noStrike">
+              <a:latin typeface="Arial"/>
+            </a:endParaRPr>
+          </a:p>
+          <a:p>
+            <a:pPr lvl="6" marL="3024000" indent="-216000">
+              <a:spcBef>
+                <a:spcPts val="283"/>
+              </a:spcBef>
+              <a:buClr>
+                <a:srgbClr val="000000"/>
+              </a:buClr>
+              <a:buSzPct val="45000"/>
+              <a:buFont typeface="Wingdings" charset="2"/>
+              <a:buChar char=""/>
+            </a:pPr>
+            <a:r>
+              <a:rPr b="0" lang="en-US" sz="2000" spc="-1" strike="noStrike">
+                <a:latin typeface="Arial"/>
+              </a:rPr>
+              <a:t>Seventh Outline Level</a:t>
+            </a:r>
+            <a:endParaRPr b="0" lang="en-US" sz="2000" spc="-1" strike="noStrike">
+              <a:latin typeface="Arial"/>
             </a:endParaRPr>
           </a:p>
         </p:txBody>
@@ -5491,7 +5491,7 @@
         <p:spPr>
           <a:xfrm>
             <a:off x="0" y="6400800"/>
-            <a:ext cx="12191040" cy="456120"/>
+            <a:ext cx="12190680" cy="455760"/>
           </a:xfrm>
           <a:prstGeom prst="rect">
             <a:avLst/>
@@ -5529,7 +5529,7 @@
         <p:spPr>
           <a:xfrm>
             <a:off x="0" y="6334200"/>
-            <a:ext cx="12191040" cy="65520"/>
+            <a:ext cx="12190680" cy="65160"/>
           </a:xfrm>
           <a:prstGeom prst="rect">
             <a:avLst/>
@@ -5565,7 +5565,7 @@
         <p:spPr>
           <a:xfrm>
             <a:off x="1193400" y="1737720"/>
-            <a:ext cx="9968040" cy="1080"/>
+            <a:ext cx="9968400" cy="1440"/>
           </a:xfrm>
           <a:prstGeom prst="straightConnector1">
             <a:avLst/>
@@ -5591,7 +5591,7 @@
         <p:spPr>
           <a:xfrm>
             <a:off x="3686040" y="6459840"/>
-            <a:ext cx="4821840" cy="363960"/>
+            <a:ext cx="4821480" cy="363600"/>
           </a:xfrm>
           <a:prstGeom prst="rect">
             <a:avLst/>
@@ -5654,7 +5654,7 @@
         <p:spPr>
           <a:xfrm>
             <a:off x="9900360" y="6459840"/>
-            <a:ext cx="1311120" cy="363960"/>
+            <a:ext cx="1310760" cy="363600"/>
           </a:xfrm>
           <a:prstGeom prst="rect">
             <a:avLst/>
@@ -5695,7 +5695,7 @@
                 <a:tab algn="l" pos="0"/>
               </a:tabLst>
             </a:pPr>
-            <a:fld id="{67F84417-FD39-474B-9CE5-EE31FDF1EA4D}" type="slidenum">
+            <a:fld id="{F9F3A6FA-C48F-4264-93D9-A1D106AB1AD3}" type="slidenum">
               <a:rPr b="0" lang="en-US" sz="1050" spc="-1" strike="noStrike">
                 <a:solidFill>
                   <a:srgbClr val="ffffff"/>
@@ -5723,7 +5723,7 @@
         <p:spPr>
           <a:xfrm>
             <a:off x="1097280" y="6459840"/>
-            <a:ext cx="2471040" cy="363960"/>
+            <a:ext cx="2470680" cy="363600"/>
           </a:xfrm>
           <a:prstGeom prst="rect">
             <a:avLst/>
@@ -6037,7 +6037,7 @@
         <p:spPr>
           <a:xfrm>
             <a:off x="1097280" y="758880"/>
-            <a:ext cx="10057320" cy="3565080"/>
+            <a:ext cx="10056960" cy="3564720"/>
           </a:xfrm>
           <a:prstGeom prst="rect">
             <a:avLst/>
@@ -6089,7 +6089,7 @@
         <p:spPr>
           <a:xfrm>
             <a:off x="1100160" y="4455720"/>
-            <a:ext cx="10057320" cy="1141920"/>
+            <a:ext cx="10056960" cy="1141560"/>
           </a:xfrm>
           <a:prstGeom prst="rect">
             <a:avLst/>
@@ -6120,7 +6120,7 @@
               </a:tabLst>
             </a:pPr>
             <a:r>
-              <a:rPr b="0" lang="en-US" sz="2400" spc="194" strike="noStrike" cap="all">
+              <a:rPr b="0" lang="en-US" sz="2400" spc="191" strike="noStrike" cap="all">
                 <a:solidFill>
                   <a:srgbClr val="514949"/>
                 </a:solidFill>
@@ -6149,7 +6149,7 @@
               </a:tabLst>
             </a:pPr>
             <a:r>
-              <a:rPr b="0" lang="en-US" sz="2400" spc="194" strike="noStrike" cap="all">
+              <a:rPr b="0" lang="en-US" sz="2400" spc="191" strike="noStrike" cap="all">
                 <a:solidFill>
                   <a:srgbClr val="514949"/>
                 </a:solidFill>
@@ -6206,7 +6206,7 @@
         <p:spPr>
           <a:xfrm>
             <a:off x="1097280" y="286560"/>
-            <a:ext cx="10057320" cy="1449720"/>
+            <a:ext cx="10056960" cy="1449360"/>
           </a:xfrm>
           <a:prstGeom prst="rect">
             <a:avLst/>
@@ -6258,7 +6258,7 @@
         <p:spPr>
           <a:xfrm>
             <a:off x="1097280" y="1845720"/>
-            <a:ext cx="10057320" cy="4022280"/>
+            <a:ext cx="10056960" cy="4021920"/>
           </a:xfrm>
           <a:prstGeom prst="rect">
             <a:avLst/>
@@ -6569,7 +6569,7 @@
         <p:spPr>
           <a:xfrm>
             <a:off x="1097280" y="286560"/>
-            <a:ext cx="10057320" cy="1449720"/>
+            <a:ext cx="10056960" cy="1449360"/>
           </a:xfrm>
           <a:prstGeom prst="rect">
             <a:avLst/>
@@ -6620,8 +6620,8 @@
         </p:nvSpPr>
         <p:spPr>
           <a:xfrm>
-            <a:off x="1143000" y="1845720"/>
-            <a:ext cx="10057320" cy="4022280"/>
+            <a:off x="1144440" y="1845720"/>
+            <a:ext cx="10056960" cy="4021920"/>
           </a:xfrm>
           <a:prstGeom prst="rect">
             <a:avLst/>
@@ -6701,28 +6701,7 @@
                 </a:highlight>
                 <a:latin typeface="Calibri"/>
               </a:rPr>
-              <a:t>Slime, small </a:t>
-            </a:r>
-            <a:r>
-              <a:rPr b="0" lang="en-US" sz="2200" spc="-1" strike="noStrike">
-                <a:solidFill>
-                  <a:srgbClr val="404040"/>
-                </a:solidFill>
-                <a:latin typeface="Calibri"/>
-              </a:rPr>
-              <a:t>and jumpy</a:t>
-            </a:r>
-            <a:r>
-              <a:rPr b="0" lang="en-US" sz="2200" spc="-1" strike="noStrike">
-                <a:solidFill>
-                  <a:srgbClr val="404040"/>
-                </a:solidFill>
-                <a:highlight>
-                  <a:srgbClr val="ffff00"/>
-                </a:highlight>
-                <a:latin typeface="Calibri"/>
-              </a:rPr>
-              <a:t> enemy</a:t>
+              <a:t>Slime, small and jumpy enemy</a:t>
             </a:r>
             <a:endParaRPr b="0" lang="en-US" sz="2200" spc="-1" strike="noStrike">
               <a:latin typeface="Arial"/>
@@ -7035,7 +7014,7 @@
         <p:spPr>
           <a:xfrm>
             <a:off x="1097280" y="286560"/>
-            <a:ext cx="10057320" cy="1449720"/>
+            <a:ext cx="10056960" cy="1449360"/>
           </a:xfrm>
           <a:prstGeom prst="rect">
             <a:avLst/>
@@ -7087,7 +7066,7 @@
         <p:spPr>
           <a:xfrm>
             <a:off x="1097280" y="1845720"/>
-            <a:ext cx="10057320" cy="4022280"/>
+            <a:ext cx="10056960" cy="4021920"/>
           </a:xfrm>
           <a:prstGeom prst="rect">
             <a:avLst/>
@@ -7351,7 +7330,7 @@
         <p:spPr>
           <a:xfrm>
             <a:off x="1097280" y="286560"/>
-            <a:ext cx="10057320" cy="1449720"/>
+            <a:ext cx="10056960" cy="1449360"/>
           </a:xfrm>
           <a:prstGeom prst="rect">
             <a:avLst/>
@@ -7403,7 +7382,7 @@
         <p:spPr>
           <a:xfrm>
             <a:off x="1097280" y="3283920"/>
-            <a:ext cx="2710440" cy="2901240"/>
+            <a:ext cx="2710080" cy="2900880"/>
           </a:xfrm>
           <a:prstGeom prst="rect">
             <a:avLst/>
@@ -7510,7 +7489,7 @@
         <p:spPr>
           <a:xfrm>
             <a:off x="1182960" y="2094840"/>
-            <a:ext cx="2539080" cy="983160"/>
+            <a:ext cx="2538720" cy="982800"/>
           </a:xfrm>
           <a:prstGeom prst="rect">
             <a:avLst/>
@@ -7533,7 +7512,7 @@
         <p:spPr>
           <a:xfrm>
             <a:off x="4988160" y="1860480"/>
-            <a:ext cx="1825200" cy="2525400"/>
+            <a:ext cx="1824840" cy="2525040"/>
           </a:xfrm>
           <a:prstGeom prst="rect">
             <a:avLst/>
@@ -7552,7 +7531,7 @@
         <p:spPr>
           <a:xfrm>
             <a:off x="4495320" y="4548960"/>
-            <a:ext cx="3025800" cy="1461240"/>
+            <a:ext cx="3025440" cy="1461240"/>
           </a:xfrm>
           <a:prstGeom prst="rect">
             <a:avLst/>
@@ -7637,7 +7616,7 @@
         <p:spPr>
           <a:xfrm>
             <a:off x="8229600" y="2000520"/>
-            <a:ext cx="2304000" cy="1199160"/>
+            <a:ext cx="2303640" cy="1198800"/>
           </a:xfrm>
           <a:prstGeom prst="rect">
             <a:avLst/>
@@ -7656,7 +7635,7 @@
         <p:spPr>
           <a:xfrm>
             <a:off x="7946280" y="3429000"/>
-            <a:ext cx="3025800" cy="1461240"/>
+            <a:ext cx="3025440" cy="1461240"/>
           </a:xfrm>
           <a:prstGeom prst="rect">
             <a:avLst/>
